--- a/01.jQuery入门.pptx
+++ b/01.jQuery入门.pptx
@@ -210,6 +210,7 @@
             <p14:sldId id="257"/>
             <p14:sldId id="276"/>
             <p14:sldId id="278"/>
+            <p14:sldId id="923"/>
             <p14:sldId id="371"/>
             <p14:sldId id="273"/>
             <p14:sldId id="274"/>
@@ -219,7 +220,6 @@
             <p14:sldId id="260"/>
             <p14:sldId id="261"/>
             <p14:sldId id="998"/>
-            <p14:sldId id="923"/>
           </p14:sldIdLst>
         </p14:section>
         <p14:section name="遍历" id="{c022c807-c0e1-42af-be91-50f095c61151}">
@@ -23064,7 +23064,7 @@
         <p:spPr>
           <a:xfrm>
             <a:off x="4781550" y="2036445"/>
-            <a:ext cx="3840480" cy="640080"/>
+            <a:ext cx="2697480" cy="922020"/>
           </a:xfrm>
           <a:prstGeom prst="rect">
             <a:avLst/>
@@ -23078,14 +23078,21 @@
           <a:p>
             <a:r>
               <a:rPr lang="zh-CN" altLang="en-US"/>
-              <a:t>点击按钮显示粉色框，再点击按钮隐</a:t>
+              <a:t>点击按钮显示粉色框，</a:t>
             </a:r>
             <a:endParaRPr lang="zh-CN" altLang="en-US"/>
           </a:p>
           <a:p>
             <a:r>
               <a:rPr lang="zh-CN" altLang="en-US"/>
-              <a:t>藏粉色框点击空白区域隐藏粉色框</a:t>
+              <a:t>再点击按钮隐藏粉色框</a:t>
+            </a:r>
+            <a:endParaRPr lang="zh-CN" altLang="en-US"/>
+          </a:p>
+          <a:p>
+            <a:r>
+              <a:rPr lang="zh-CN" altLang="en-US"/>
+              <a:t>点击空白区域隐藏粉色框</a:t>
             </a:r>
             <a:endParaRPr lang="zh-CN" altLang="en-US"/>
           </a:p>
@@ -23731,7 +23738,7 @@
             </a:pPr>
             <a:r>
               <a:rPr lang="en-US" altLang="zh-CN" sz="2400"/>
-              <a:t>     btn.on()</a:t>
+              <a:t>     btn.on(‘click’,function(){})</a:t>
             </a:r>
             <a:endParaRPr lang="zh-CN" altLang="en-US" sz="2400"/>
           </a:p>
@@ -23860,8 +23867,16 @@
           <a:bodyPr/>
           <a:p>
             <a:r>
+              <a:rPr lang="zh-CN" altLang="en-US" sz="2400">
+                <a:solidFill>
+                  <a:srgbClr val="FF0000"/>
+                </a:solidFill>
+              </a:rPr>
+              <a:t>事件代理（委托）</a:t>
+            </a:r>
+            <a:r>
               <a:rPr lang="zh-CN" altLang="en-US" sz="2400"/>
-              <a:t>事件代理（委托）：</a:t>
+              <a:t>：</a:t>
             </a:r>
             <a:endParaRPr lang="zh-CN" altLang="en-US" sz="2400"/>
           </a:p>
@@ -23875,7 +23890,19 @@
             </a:r>
             <a:r>
               <a:rPr lang="en-US" altLang="zh-CN" sz="2000"/>
-              <a:t>当我们需要对很多元素添加事件的时候，可以将事件委托给父节点来触发处理函数。这主要得益于浏览器的事件冒泡机制</a:t>
+              <a:t>当我们需要对很多元素添加事件的时候，可以将事件委托给父节点来处理。这主要得益于浏览器的</a:t>
+            </a:r>
+            <a:r>
+              <a:rPr lang="en-US" altLang="zh-CN" sz="2000">
+                <a:solidFill>
+                  <a:srgbClr val="FF0000"/>
+                </a:solidFill>
+              </a:rPr>
+              <a:t>事件冒泡</a:t>
+            </a:r>
+            <a:r>
+              <a:rPr lang="en-US" altLang="zh-CN" sz="2000"/>
+              <a:t>机制</a:t>
             </a:r>
             <a:endParaRPr lang="en-US" altLang="zh-CN" sz="2000"/>
           </a:p>
